--- a/slides/6 - ML Logistic Regression.pptx
+++ b/slides/6 - ML Logistic Regression.pptx
@@ -5,10 +5,10 @@
     <p:sldMasterId id="2147483694" r:id="rId1"/>
   </p:sldMasterIdLst>
   <p:notesMasterIdLst>
-    <p:notesMasterId r:id="rId8"/>
+    <p:notesMasterId r:id="rId11"/>
   </p:notesMasterIdLst>
   <p:handoutMasterIdLst>
-    <p:handoutMasterId r:id="rId9"/>
+    <p:handoutMasterId r:id="rId12"/>
   </p:handoutMasterIdLst>
   <p:sldIdLst>
     <p:sldId id="260" r:id="rId2"/>
@@ -17,6 +17,9 @@
     <p:sldId id="264" r:id="rId5"/>
     <p:sldId id="265" r:id="rId6"/>
     <p:sldId id="266" r:id="rId7"/>
+    <p:sldId id="267" r:id="rId8"/>
+    <p:sldId id="268" r:id="rId9"/>
+    <p:sldId id="269" r:id="rId10"/>
   </p:sldIdLst>
   <p:sldSz cx="12192000" cy="6858000"/>
   <p:notesSz cx="6858000" cy="9144000"/>
@@ -220,7 +223,7 @@
           <a:p>
             <a:fld id="{A1347FCD-4104-406A-A39B-5BEB4653AB02}" type="datetimeFigureOut">
               <a:rPr lang="en-US" smtClean="0"/>
-              <a:t>5/10/2023</a:t>
+              <a:t>6/14/2023</a:t>
             </a:fld>
             <a:endParaRPr lang="en-US"/>
           </a:p>
@@ -397,7 +400,7 @@
           <a:p>
             <a:fld id="{7E52F6ED-E1D1-40C7-A246-F65D423A4F17}" type="datetimeFigureOut">
               <a:rPr lang="en-US" smtClean="0"/>
-              <a:t>5/10/2023</a:t>
+              <a:t>6/14/2023</a:t>
             </a:fld>
             <a:endParaRPr lang="en-US"/>
           </a:p>
@@ -983,7 +986,7 @@
           <a:p>
             <a:fld id="{8546575E-568F-43AC-B90E-124DEB9485D9}" type="datetime1">
               <a:rPr lang="en-US" smtClean="0"/>
-              <a:t>5/10/2023</a:t>
+              <a:t>6/14/2023</a:t>
             </a:fld>
             <a:endParaRPr lang="en-US"/>
           </a:p>
@@ -1191,7 +1194,7 @@
           <a:p>
             <a:fld id="{C3357083-4168-4D1F-9A76-361D4E1744C2}" type="datetime1">
               <a:rPr lang="en-US" smtClean="0"/>
-              <a:t>5/10/2023</a:t>
+              <a:t>6/14/2023</a:t>
             </a:fld>
             <a:endParaRPr lang="en-US"/>
           </a:p>
@@ -2284,7 +2287,7 @@
           <a:p>
             <a:fld id="{4A09810F-BB01-431F-A36B-01A80F00F9A2}" type="datetime1">
               <a:rPr lang="en-US" smtClean="0"/>
-              <a:t>5/10/2023</a:t>
+              <a:t>6/14/2023</a:t>
             </a:fld>
             <a:endParaRPr lang="en-US"/>
           </a:p>
@@ -2759,7 +2762,7 @@
           <a:p>
             <a:fld id="{99B6BA1C-0431-441A-9684-27D3820DDA76}" type="datetime1">
               <a:rPr lang="en-US" smtClean="0"/>
-              <a:t>5/10/2023</a:t>
+              <a:t>6/14/2023</a:t>
             </a:fld>
             <a:endParaRPr lang="en-US"/>
           </a:p>
@@ -3047,7 +3050,7 @@
           <a:p>
             <a:fld id="{911AD90E-AE50-48B2-954D-3C61712566FC}" type="datetime1">
               <a:rPr lang="en-US" smtClean="0"/>
-              <a:t>5/10/2023</a:t>
+              <a:t>6/14/2023</a:t>
             </a:fld>
             <a:endParaRPr lang="en-US"/>
           </a:p>
@@ -3288,7 +3291,7 @@
           <a:p>
             <a:fld id="{BC208437-3005-4AE1-B600-AE18E1986B0F}" type="datetime1">
               <a:rPr lang="en-US" smtClean="0"/>
-              <a:t>5/10/2023</a:t>
+              <a:t>6/14/2023</a:t>
             </a:fld>
             <a:endParaRPr lang="en-US"/>
           </a:p>
@@ -4253,6 +4256,291 @@
     <p:extLst>
       <p:ext uri="{BB962C8B-B14F-4D97-AF65-F5344CB8AC3E}">
         <p14:creationId xmlns:p14="http://schemas.microsoft.com/office/powerpoint/2010/main" val="1174252925"/>
+      </p:ext>
+    </p:extLst>
+  </p:cSld>
+  <p:clrMapOvr>
+    <a:masterClrMapping/>
+  </p:clrMapOvr>
+</p:sld>
+</file>
+
+<file path=ppt/slides/slide7.xml><?xml version="1.0" encoding="utf-8"?>
+<p:sld xmlns:a="http://schemas.openxmlformats.org/drawingml/2006/main" xmlns:r="http://schemas.openxmlformats.org/officeDocument/2006/relationships" xmlns:p="http://schemas.openxmlformats.org/presentationml/2006/main">
+  <p:cSld>
+    <p:spTree>
+      <p:nvGrpSpPr>
+        <p:cNvPr id="1" name=""/>
+        <p:cNvGrpSpPr/>
+        <p:nvPr/>
+      </p:nvGrpSpPr>
+      <p:grpSpPr>
+        <a:xfrm>
+          <a:off x="0" y="0"/>
+          <a:ext cx="0" cy="0"/>
+          <a:chOff x="0" y="0"/>
+          <a:chExt cx="0" cy="0"/>
+        </a:xfrm>
+      </p:grpSpPr>
+      <p:sp>
+        <p:nvSpPr>
+          <p:cNvPr id="2" name="Slide Number Placeholder 1">
+            <a:extLst>
+              <a:ext uri="{FF2B5EF4-FFF2-40B4-BE49-F238E27FC236}">
+                <a16:creationId xmlns:a16="http://schemas.microsoft.com/office/drawing/2014/main" id="{3C91A08B-28D5-43E1-AB89-C14A33F7F7C3}"/>
+              </a:ext>
+            </a:extLst>
+          </p:cNvPr>
+          <p:cNvSpPr>
+            <a:spLocks noGrp="1"/>
+          </p:cNvSpPr>
+          <p:nvPr>
+            <p:ph type="sldNum" sz="quarter" idx="12"/>
+          </p:nvPr>
+        </p:nvSpPr>
+        <p:spPr/>
+        <p:txBody>
+          <a:bodyPr/>
+          <a:lstStyle/>
+          <a:p>
+            <a:fld id="{1D8ACFD3-EB1D-4FB7-8892-41DABF4B6051}" type="slidenum">
+              <a:rPr lang="en-US" smtClean="0"/>
+              <a:t>7</a:t>
+            </a:fld>
+            <a:endParaRPr lang="en-US"/>
+          </a:p>
+        </p:txBody>
+      </p:sp>
+      <p:pic>
+        <p:nvPicPr>
+          <p:cNvPr id="4" name="Picture 3" descr="A picture containing text, diagram, screenshot, line&#10;&#10;Description automatically generated">
+            <a:extLst>
+              <a:ext uri="{FF2B5EF4-FFF2-40B4-BE49-F238E27FC236}">
+                <a16:creationId xmlns:a16="http://schemas.microsoft.com/office/drawing/2014/main" id="{BD9DCAF6-4166-438D-93DE-D2CF650A5C18}"/>
+              </a:ext>
+            </a:extLst>
+          </p:cNvPr>
+          <p:cNvPicPr>
+            <a:picLocks noChangeAspect="1"/>
+          </p:cNvPicPr>
+          <p:nvPr/>
+        </p:nvPicPr>
+        <p:blipFill>
+          <a:blip r:embed="rId2">
+            <a:extLst>
+              <a:ext uri="{28A0092B-C50C-407E-A947-70E740481C1C}">
+                <a14:useLocalDpi xmlns:a14="http://schemas.microsoft.com/office/drawing/2010/main" val="0"/>
+              </a:ext>
+            </a:extLst>
+          </a:blip>
+          <a:stretch>
+            <a:fillRect/>
+          </a:stretch>
+        </p:blipFill>
+        <p:spPr>
+          <a:xfrm>
+            <a:off x="826387" y="0"/>
+            <a:ext cx="10539225" cy="6858000"/>
+          </a:xfrm>
+          <a:prstGeom prst="rect">
+            <a:avLst/>
+          </a:prstGeom>
+        </p:spPr>
+      </p:pic>
+    </p:spTree>
+    <p:extLst>
+      <p:ext uri="{BB962C8B-B14F-4D97-AF65-F5344CB8AC3E}">
+        <p14:creationId xmlns:p14="http://schemas.microsoft.com/office/powerpoint/2010/main" val="1590123922"/>
+      </p:ext>
+    </p:extLst>
+  </p:cSld>
+  <p:clrMapOvr>
+    <a:masterClrMapping/>
+  </p:clrMapOvr>
+</p:sld>
+</file>
+
+<file path=ppt/slides/slide8.xml><?xml version="1.0" encoding="utf-8"?>
+<p:sld xmlns:a="http://schemas.openxmlformats.org/drawingml/2006/main" xmlns:r="http://schemas.openxmlformats.org/officeDocument/2006/relationships" xmlns:p="http://schemas.openxmlformats.org/presentationml/2006/main">
+  <p:cSld>
+    <p:spTree>
+      <p:nvGrpSpPr>
+        <p:cNvPr id="1" name=""/>
+        <p:cNvGrpSpPr/>
+        <p:nvPr/>
+      </p:nvGrpSpPr>
+      <p:grpSpPr>
+        <a:xfrm>
+          <a:off x="0" y="0"/>
+          <a:ext cx="0" cy="0"/>
+          <a:chOff x="0" y="0"/>
+          <a:chExt cx="0" cy="0"/>
+        </a:xfrm>
+      </p:grpSpPr>
+      <p:sp>
+        <p:nvSpPr>
+          <p:cNvPr id="2" name="Slide Number Placeholder 1">
+            <a:extLst>
+              <a:ext uri="{FF2B5EF4-FFF2-40B4-BE49-F238E27FC236}">
+                <a16:creationId xmlns:a16="http://schemas.microsoft.com/office/drawing/2014/main" id="{73C0A93D-FEE2-4F85-841D-CF58BA690EAD}"/>
+              </a:ext>
+            </a:extLst>
+          </p:cNvPr>
+          <p:cNvSpPr>
+            <a:spLocks noGrp="1"/>
+          </p:cNvSpPr>
+          <p:nvPr>
+            <p:ph type="sldNum" sz="quarter" idx="12"/>
+          </p:nvPr>
+        </p:nvSpPr>
+        <p:spPr/>
+        <p:txBody>
+          <a:bodyPr/>
+          <a:lstStyle/>
+          <a:p>
+            <a:fld id="{1D8ACFD3-EB1D-4FB7-8892-41DABF4B6051}" type="slidenum">
+              <a:rPr lang="en-US" smtClean="0"/>
+              <a:t>8</a:t>
+            </a:fld>
+            <a:endParaRPr lang="en-US"/>
+          </a:p>
+        </p:txBody>
+      </p:sp>
+      <p:pic>
+        <p:nvPicPr>
+          <p:cNvPr id="4" name="Picture 3" descr="A picture containing text, diagram, line, screenshot&#10;&#10;Description automatically generated">
+            <a:extLst>
+              <a:ext uri="{FF2B5EF4-FFF2-40B4-BE49-F238E27FC236}">
+                <a16:creationId xmlns:a16="http://schemas.microsoft.com/office/drawing/2014/main" id="{3E6D5323-64BE-4882-9954-1368501D596B}"/>
+              </a:ext>
+            </a:extLst>
+          </p:cNvPr>
+          <p:cNvPicPr>
+            <a:picLocks noChangeAspect="1"/>
+          </p:cNvPicPr>
+          <p:nvPr/>
+        </p:nvPicPr>
+        <p:blipFill>
+          <a:blip r:embed="rId2">
+            <a:extLst>
+              <a:ext uri="{28A0092B-C50C-407E-A947-70E740481C1C}">
+                <a14:useLocalDpi xmlns:a14="http://schemas.microsoft.com/office/drawing/2010/main" val="0"/>
+              </a:ext>
+            </a:extLst>
+          </a:blip>
+          <a:stretch>
+            <a:fillRect/>
+          </a:stretch>
+        </p:blipFill>
+        <p:spPr>
+          <a:xfrm>
+            <a:off x="301467" y="0"/>
+            <a:ext cx="11589066" cy="6858000"/>
+          </a:xfrm>
+          <a:prstGeom prst="rect">
+            <a:avLst/>
+          </a:prstGeom>
+        </p:spPr>
+      </p:pic>
+    </p:spTree>
+    <p:extLst>
+      <p:ext uri="{BB962C8B-B14F-4D97-AF65-F5344CB8AC3E}">
+        <p14:creationId xmlns:p14="http://schemas.microsoft.com/office/powerpoint/2010/main" val="76495915"/>
+      </p:ext>
+    </p:extLst>
+  </p:cSld>
+  <p:clrMapOvr>
+    <a:masterClrMapping/>
+  </p:clrMapOvr>
+</p:sld>
+</file>
+
+<file path=ppt/slides/slide9.xml><?xml version="1.0" encoding="utf-8"?>
+<p:sld xmlns:a="http://schemas.openxmlformats.org/drawingml/2006/main" xmlns:r="http://schemas.openxmlformats.org/officeDocument/2006/relationships" xmlns:p="http://schemas.openxmlformats.org/presentationml/2006/main">
+  <p:cSld>
+    <p:spTree>
+      <p:nvGrpSpPr>
+        <p:cNvPr id="1" name=""/>
+        <p:cNvGrpSpPr/>
+        <p:nvPr/>
+      </p:nvGrpSpPr>
+      <p:grpSpPr>
+        <a:xfrm>
+          <a:off x="0" y="0"/>
+          <a:ext cx="0" cy="0"/>
+          <a:chOff x="0" y="0"/>
+          <a:chExt cx="0" cy="0"/>
+        </a:xfrm>
+      </p:grpSpPr>
+      <p:sp>
+        <p:nvSpPr>
+          <p:cNvPr id="2" name="Slide Number Placeholder 1">
+            <a:extLst>
+              <a:ext uri="{FF2B5EF4-FFF2-40B4-BE49-F238E27FC236}">
+                <a16:creationId xmlns:a16="http://schemas.microsoft.com/office/drawing/2014/main" id="{73C0A93D-FEE2-4F85-841D-CF58BA690EAD}"/>
+              </a:ext>
+            </a:extLst>
+          </p:cNvPr>
+          <p:cNvSpPr>
+            <a:spLocks noGrp="1"/>
+          </p:cNvSpPr>
+          <p:nvPr>
+            <p:ph type="sldNum" sz="quarter" idx="12"/>
+          </p:nvPr>
+        </p:nvSpPr>
+        <p:spPr/>
+        <p:txBody>
+          <a:bodyPr/>
+          <a:lstStyle/>
+          <a:p>
+            <a:fld id="{1D8ACFD3-EB1D-4FB7-8892-41DABF4B6051}" type="slidenum">
+              <a:rPr lang="en-US" smtClean="0"/>
+              <a:t>9</a:t>
+            </a:fld>
+            <a:endParaRPr lang="en-US"/>
+          </a:p>
+        </p:txBody>
+      </p:sp>
+      <p:pic>
+        <p:nvPicPr>
+          <p:cNvPr id="4" name="Picture 3" descr="A picture containing text, screenshot, diagram, line&#10;&#10;Description automatically generated">
+            <a:extLst>
+              <a:ext uri="{FF2B5EF4-FFF2-40B4-BE49-F238E27FC236}">
+                <a16:creationId xmlns:a16="http://schemas.microsoft.com/office/drawing/2014/main" id="{D05E0588-89C1-4440-B2B3-DB8CDE52550F}"/>
+              </a:ext>
+            </a:extLst>
+          </p:cNvPr>
+          <p:cNvPicPr>
+            <a:picLocks noChangeAspect="1"/>
+          </p:cNvPicPr>
+          <p:nvPr/>
+        </p:nvPicPr>
+        <p:blipFill>
+          <a:blip r:embed="rId2">
+            <a:extLst>
+              <a:ext uri="{28A0092B-C50C-407E-A947-70E740481C1C}">
+                <a14:useLocalDpi xmlns:a14="http://schemas.microsoft.com/office/drawing/2010/main" val="0"/>
+              </a:ext>
+            </a:extLst>
+          </a:blip>
+          <a:stretch>
+            <a:fillRect/>
+          </a:stretch>
+        </p:blipFill>
+        <p:spPr>
+          <a:xfrm>
+            <a:off x="766615" y="0"/>
+            <a:ext cx="10658769" cy="6858000"/>
+          </a:xfrm>
+          <a:prstGeom prst="rect">
+            <a:avLst/>
+          </a:prstGeom>
+        </p:spPr>
+      </p:pic>
+    </p:spTree>
+    <p:extLst>
+      <p:ext uri="{BB962C8B-B14F-4D97-AF65-F5344CB8AC3E}">
+        <p14:creationId xmlns:p14="http://schemas.microsoft.com/office/powerpoint/2010/main" val="659943287"/>
       </p:ext>
     </p:extLst>
   </p:cSld>
